--- a/workflow.pptx
+++ b/workflow.pptx
@@ -261,7 +261,7 @@
           <a:p>
             <a:fld id="{02A71330-D7F7-4A1E-AD07-9D3AC92BA55D}" type="datetimeFigureOut">
               <a:rPr lang="es-AR" smtClean="0"/>
-              <a:t>2/6/2023</a:t>
+              <a:t>8/6/2023</a:t>
             </a:fld>
             <a:endParaRPr lang="es-AR"/>
           </a:p>
@@ -461,7 +461,7 @@
           <a:p>
             <a:fld id="{02A71330-D7F7-4A1E-AD07-9D3AC92BA55D}" type="datetimeFigureOut">
               <a:rPr lang="es-AR" smtClean="0"/>
-              <a:t>2/6/2023</a:t>
+              <a:t>8/6/2023</a:t>
             </a:fld>
             <a:endParaRPr lang="es-AR"/>
           </a:p>
@@ -671,7 +671,7 @@
           <a:p>
             <a:fld id="{02A71330-D7F7-4A1E-AD07-9D3AC92BA55D}" type="datetimeFigureOut">
               <a:rPr lang="es-AR" smtClean="0"/>
-              <a:t>2/6/2023</a:t>
+              <a:t>8/6/2023</a:t>
             </a:fld>
             <a:endParaRPr lang="es-AR"/>
           </a:p>
@@ -871,7 +871,7 @@
           <a:p>
             <a:fld id="{02A71330-D7F7-4A1E-AD07-9D3AC92BA55D}" type="datetimeFigureOut">
               <a:rPr lang="es-AR" smtClean="0"/>
-              <a:t>2/6/2023</a:t>
+              <a:t>8/6/2023</a:t>
             </a:fld>
             <a:endParaRPr lang="es-AR"/>
           </a:p>
@@ -1147,7 +1147,7 @@
           <a:p>
             <a:fld id="{02A71330-D7F7-4A1E-AD07-9D3AC92BA55D}" type="datetimeFigureOut">
               <a:rPr lang="es-AR" smtClean="0"/>
-              <a:t>2/6/2023</a:t>
+              <a:t>8/6/2023</a:t>
             </a:fld>
             <a:endParaRPr lang="es-AR"/>
           </a:p>
@@ -1415,7 +1415,7 @@
           <a:p>
             <a:fld id="{02A71330-D7F7-4A1E-AD07-9D3AC92BA55D}" type="datetimeFigureOut">
               <a:rPr lang="es-AR" smtClean="0"/>
-              <a:t>2/6/2023</a:t>
+              <a:t>8/6/2023</a:t>
             </a:fld>
             <a:endParaRPr lang="es-AR"/>
           </a:p>
@@ -1830,7 +1830,7 @@
           <a:p>
             <a:fld id="{02A71330-D7F7-4A1E-AD07-9D3AC92BA55D}" type="datetimeFigureOut">
               <a:rPr lang="es-AR" smtClean="0"/>
-              <a:t>2/6/2023</a:t>
+              <a:t>8/6/2023</a:t>
             </a:fld>
             <a:endParaRPr lang="es-AR"/>
           </a:p>
@@ -1972,7 +1972,7 @@
           <a:p>
             <a:fld id="{02A71330-D7F7-4A1E-AD07-9D3AC92BA55D}" type="datetimeFigureOut">
               <a:rPr lang="es-AR" smtClean="0"/>
-              <a:t>2/6/2023</a:t>
+              <a:t>8/6/2023</a:t>
             </a:fld>
             <a:endParaRPr lang="es-AR"/>
           </a:p>
@@ -2085,7 +2085,7 @@
           <a:p>
             <a:fld id="{02A71330-D7F7-4A1E-AD07-9D3AC92BA55D}" type="datetimeFigureOut">
               <a:rPr lang="es-AR" smtClean="0"/>
-              <a:t>2/6/2023</a:t>
+              <a:t>8/6/2023</a:t>
             </a:fld>
             <a:endParaRPr lang="es-AR"/>
           </a:p>
@@ -2398,7 +2398,7 @@
           <a:p>
             <a:fld id="{02A71330-D7F7-4A1E-AD07-9D3AC92BA55D}" type="datetimeFigureOut">
               <a:rPr lang="es-AR" smtClean="0"/>
-              <a:t>2/6/2023</a:t>
+              <a:t>8/6/2023</a:t>
             </a:fld>
             <a:endParaRPr lang="es-AR"/>
           </a:p>
@@ -2687,7 +2687,7 @@
           <a:p>
             <a:fld id="{02A71330-D7F7-4A1E-AD07-9D3AC92BA55D}" type="datetimeFigureOut">
               <a:rPr lang="es-AR" smtClean="0"/>
-              <a:t>2/6/2023</a:t>
+              <a:t>8/6/2023</a:t>
             </a:fld>
             <a:endParaRPr lang="es-AR"/>
           </a:p>
@@ -2930,7 +2930,7 @@
           <a:p>
             <a:fld id="{02A71330-D7F7-4A1E-AD07-9D3AC92BA55D}" type="datetimeFigureOut">
               <a:rPr lang="es-AR" smtClean="0"/>
-              <a:t>2/6/2023</a:t>
+              <a:t>8/6/2023</a:t>
             </a:fld>
             <a:endParaRPr lang="es-AR"/>
           </a:p>
@@ -3403,21 +3403,8 @@
                   <a:srgbClr val="92D050"/>
                 </a:solidFill>
               </a:rPr>
-              <a:t>&gt; </a:t>
-            </a:r>
-            <a:r>
-              <a:rPr lang="es-AR" b="1" dirty="0" err="1">
-                <a:solidFill>
-                  <a:srgbClr val="92D050"/>
-                </a:solidFill>
-              </a:rPr>
-              <a:t>External</a:t>
-            </a:r>
-            <a:endParaRPr lang="es-AR" b="1" dirty="0">
-              <a:solidFill>
-                <a:srgbClr val="92D050"/>
-              </a:solidFill>
-            </a:endParaRPr>
+              <a:t>&gt; External</a:t>
+            </a:r>
           </a:p>
         </p:txBody>
       </p:sp>
@@ -3477,21 +3464,8 @@
                   <a:srgbClr val="92D050"/>
                 </a:solidFill>
               </a:rPr>
-              <a:t>&gt; </a:t>
-            </a:r>
-            <a:r>
-              <a:rPr lang="es-AR" b="1" dirty="0" err="1">
-                <a:solidFill>
-                  <a:srgbClr val="92D050"/>
-                </a:solidFill>
-              </a:rPr>
-              <a:t>Recon</a:t>
-            </a:r>
-            <a:endParaRPr lang="es-AR" b="1" dirty="0">
-              <a:solidFill>
-                <a:srgbClr val="92D050"/>
-              </a:solidFill>
-            </a:endParaRPr>
+              <a:t>&gt; Recon</a:t>
+            </a:r>
           </a:p>
         </p:txBody>
       </p:sp>
@@ -5975,7 +5949,7 @@
             <a:pPr algn="ctr"/>
             <a:r>
               <a:rPr lang="es-AR" sz="1200" dirty="0"/>
-              <a:t>openredirec.csv</a:t>
+              <a:t>openredirect.csv</a:t>
             </a:r>
           </a:p>
         </p:txBody>

--- a/workflow.pptx
+++ b/workflow.pptx
@@ -261,7 +261,7 @@
           <a:p>
             <a:fld id="{02A71330-D7F7-4A1E-AD07-9D3AC92BA55D}" type="datetimeFigureOut">
               <a:rPr lang="es-AR" smtClean="0"/>
-              <a:t>8/6/2023</a:t>
+              <a:t>9/6/2023</a:t>
             </a:fld>
             <a:endParaRPr lang="es-AR"/>
           </a:p>
@@ -461,7 +461,7 @@
           <a:p>
             <a:fld id="{02A71330-D7F7-4A1E-AD07-9D3AC92BA55D}" type="datetimeFigureOut">
               <a:rPr lang="es-AR" smtClean="0"/>
-              <a:t>8/6/2023</a:t>
+              <a:t>9/6/2023</a:t>
             </a:fld>
             <a:endParaRPr lang="es-AR"/>
           </a:p>
@@ -671,7 +671,7 @@
           <a:p>
             <a:fld id="{02A71330-D7F7-4A1E-AD07-9D3AC92BA55D}" type="datetimeFigureOut">
               <a:rPr lang="es-AR" smtClean="0"/>
-              <a:t>8/6/2023</a:t>
+              <a:t>9/6/2023</a:t>
             </a:fld>
             <a:endParaRPr lang="es-AR"/>
           </a:p>
@@ -871,7 +871,7 @@
           <a:p>
             <a:fld id="{02A71330-D7F7-4A1E-AD07-9D3AC92BA55D}" type="datetimeFigureOut">
               <a:rPr lang="es-AR" smtClean="0"/>
-              <a:t>8/6/2023</a:t>
+              <a:t>9/6/2023</a:t>
             </a:fld>
             <a:endParaRPr lang="es-AR"/>
           </a:p>
@@ -1147,7 +1147,7 @@
           <a:p>
             <a:fld id="{02A71330-D7F7-4A1E-AD07-9D3AC92BA55D}" type="datetimeFigureOut">
               <a:rPr lang="es-AR" smtClean="0"/>
-              <a:t>8/6/2023</a:t>
+              <a:t>9/6/2023</a:t>
             </a:fld>
             <a:endParaRPr lang="es-AR"/>
           </a:p>
@@ -1415,7 +1415,7 @@
           <a:p>
             <a:fld id="{02A71330-D7F7-4A1E-AD07-9D3AC92BA55D}" type="datetimeFigureOut">
               <a:rPr lang="es-AR" smtClean="0"/>
-              <a:t>8/6/2023</a:t>
+              <a:t>9/6/2023</a:t>
             </a:fld>
             <a:endParaRPr lang="es-AR"/>
           </a:p>
@@ -1830,7 +1830,7 @@
           <a:p>
             <a:fld id="{02A71330-D7F7-4A1E-AD07-9D3AC92BA55D}" type="datetimeFigureOut">
               <a:rPr lang="es-AR" smtClean="0"/>
-              <a:t>8/6/2023</a:t>
+              <a:t>9/6/2023</a:t>
             </a:fld>
             <a:endParaRPr lang="es-AR"/>
           </a:p>
@@ -1972,7 +1972,7 @@
           <a:p>
             <a:fld id="{02A71330-D7F7-4A1E-AD07-9D3AC92BA55D}" type="datetimeFigureOut">
               <a:rPr lang="es-AR" smtClean="0"/>
-              <a:t>8/6/2023</a:t>
+              <a:t>9/6/2023</a:t>
             </a:fld>
             <a:endParaRPr lang="es-AR"/>
           </a:p>
@@ -2085,7 +2085,7 @@
           <a:p>
             <a:fld id="{02A71330-D7F7-4A1E-AD07-9D3AC92BA55D}" type="datetimeFigureOut">
               <a:rPr lang="es-AR" smtClean="0"/>
-              <a:t>8/6/2023</a:t>
+              <a:t>9/6/2023</a:t>
             </a:fld>
             <a:endParaRPr lang="es-AR"/>
           </a:p>
@@ -2398,7 +2398,7 @@
           <a:p>
             <a:fld id="{02A71330-D7F7-4A1E-AD07-9D3AC92BA55D}" type="datetimeFigureOut">
               <a:rPr lang="es-AR" smtClean="0"/>
-              <a:t>8/6/2023</a:t>
+              <a:t>9/6/2023</a:t>
             </a:fld>
             <a:endParaRPr lang="es-AR"/>
           </a:p>
@@ -2687,7 +2687,7 @@
           <a:p>
             <a:fld id="{02A71330-D7F7-4A1E-AD07-9D3AC92BA55D}" type="datetimeFigureOut">
               <a:rPr lang="es-AR" smtClean="0"/>
-              <a:t>8/6/2023</a:t>
+              <a:t>9/6/2023</a:t>
             </a:fld>
             <a:endParaRPr lang="es-AR"/>
           </a:p>
@@ -2930,7 +2930,7 @@
           <a:p>
             <a:fld id="{02A71330-D7F7-4A1E-AD07-9D3AC92BA55D}" type="datetimeFigureOut">
               <a:rPr lang="es-AR" smtClean="0"/>
-              <a:t>8/6/2023</a:t>
+              <a:t>9/6/2023</a:t>
             </a:fld>
             <a:endParaRPr lang="es-AR"/>
           </a:p>
@@ -3942,7 +3942,7 @@
         </p:nvSpPr>
         <p:spPr>
           <a:xfrm>
-            <a:off x="132370" y="2630637"/>
+            <a:off x="154256" y="2631056"/>
             <a:ext cx="1814022" cy="478269"/>
           </a:xfrm>
           <a:prstGeom prst="round2DiagRect">
@@ -3996,13 +3996,12 @@
           </p:cNvPr>
           <p:cNvCxnSpPr>
             <a:cxnSpLocks/>
-            <a:endCxn id="15" idx="0"/>
           </p:cNvCxnSpPr>
           <p:nvPr/>
         </p:nvCxnSpPr>
         <p:spPr>
           <a:xfrm flipH="1">
-            <a:off x="1946392" y="2869772"/>
+            <a:off x="1968278" y="2864658"/>
             <a:ext cx="721565" cy="0"/>
           </a:xfrm>
           <a:prstGeom prst="straightConnector1">
@@ -4743,8 +4742,8 @@
         </p:nvCxnSpPr>
         <p:spPr>
           <a:xfrm rot="16200000" flipH="1">
-            <a:off x="724685" y="3423601"/>
-            <a:ext cx="888133" cy="258741"/>
+            <a:off x="735837" y="3434754"/>
+            <a:ext cx="887714" cy="236855"/>
           </a:xfrm>
           <a:prstGeom prst="bentConnector2">
             <a:avLst/>
@@ -6347,6 +6346,109 @@
             <a:avLst>
               <a:gd name="adj1" fmla="val 71466"/>
             </a:avLst>
+          </a:prstGeom>
+          <a:ln>
+            <a:solidFill>
+              <a:schemeClr val="tx1"/>
+            </a:solidFill>
+            <a:tailEnd type="triangle"/>
+          </a:ln>
+        </p:spPr>
+        <p:style>
+          <a:lnRef idx="1">
+            <a:schemeClr val="accent1"/>
+          </a:lnRef>
+          <a:fillRef idx="0">
+            <a:schemeClr val="accent1"/>
+          </a:fillRef>
+          <a:effectRef idx="0">
+            <a:schemeClr val="accent1"/>
+          </a:effectRef>
+          <a:fontRef idx="minor">
+            <a:schemeClr val="tx1"/>
+          </a:fontRef>
+        </p:style>
+      </p:cxnSp>
+      <p:sp>
+        <p:nvSpPr>
+          <p:cNvPr id="2" name="Rectángulo: esquinas diagonales redondeadas 1">
+            <a:extLst>
+              <a:ext uri="{FF2B5EF4-FFF2-40B4-BE49-F238E27FC236}">
+                <a16:creationId xmlns:a16="http://schemas.microsoft.com/office/drawing/2014/main" id="{5E3A211E-7B75-013A-5594-195C5021BA21}"/>
+              </a:ext>
+            </a:extLst>
+          </p:cNvPr>
+          <p:cNvSpPr/>
+          <p:nvPr/>
+        </p:nvSpPr>
+        <p:spPr>
+          <a:xfrm>
+            <a:off x="4646466" y="2183111"/>
+            <a:ext cx="1194319" cy="478269"/>
+          </a:xfrm>
+          <a:prstGeom prst="round2DiagRect">
+            <a:avLst/>
+          </a:prstGeom>
+          <a:solidFill>
+            <a:schemeClr val="bg2">
+              <a:lumMod val="50000"/>
+            </a:schemeClr>
+          </a:solidFill>
+          <a:ln>
+            <a:solidFill>
+              <a:schemeClr val="tx1"/>
+            </a:solidFill>
+          </a:ln>
+        </p:spPr>
+        <p:style>
+          <a:lnRef idx="2">
+            <a:schemeClr val="accent1">
+              <a:shade val="50000"/>
+            </a:schemeClr>
+          </a:lnRef>
+          <a:fillRef idx="1">
+            <a:schemeClr val="accent1"/>
+          </a:fillRef>
+          <a:effectRef idx="0">
+            <a:schemeClr val="accent1"/>
+          </a:effectRef>
+          <a:fontRef idx="minor">
+            <a:schemeClr val="lt1"/>
+          </a:fontRef>
+        </p:style>
+        <p:txBody>
+          <a:bodyPr rtlCol="0" anchor="ctr"/>
+          <a:lstStyle/>
+          <a:p>
+            <a:pPr algn="ctr"/>
+            <a:r>
+              <a:rPr lang="es-AR" sz="1200" dirty="0"/>
+              <a:t>httpx.csv</a:t>
+            </a:r>
+          </a:p>
+        </p:txBody>
+      </p:sp>
+      <p:cxnSp>
+        <p:nvCxnSpPr>
+          <p:cNvPr id="44" name="Conector recto de flecha 43">
+            <a:extLst>
+              <a:ext uri="{FF2B5EF4-FFF2-40B4-BE49-F238E27FC236}">
+                <a16:creationId xmlns:a16="http://schemas.microsoft.com/office/drawing/2014/main" id="{67EBBD4C-15E9-01BA-9587-62A82F332260}"/>
+              </a:ext>
+            </a:extLst>
+          </p:cNvPr>
+          <p:cNvCxnSpPr>
+            <a:cxnSpLocks/>
+          </p:cNvCxnSpPr>
+          <p:nvPr/>
+        </p:nvCxnSpPr>
+        <p:spPr>
+          <a:xfrm flipV="1">
+            <a:off x="4147141" y="2468610"/>
+            <a:ext cx="451428" cy="239134"/>
+          </a:xfrm>
+          <a:prstGeom prst="straightConnector1">
+            <a:avLst/>
           </a:prstGeom>
           <a:ln>
             <a:solidFill>

--- a/workflow.pptx
+++ b/workflow.pptx
@@ -261,7 +261,7 @@
           <a:p>
             <a:fld id="{02A71330-D7F7-4A1E-AD07-9D3AC92BA55D}" type="datetimeFigureOut">
               <a:rPr lang="es-AR" smtClean="0"/>
-              <a:t>9/6/2023</a:t>
+              <a:t>12/6/2023</a:t>
             </a:fld>
             <a:endParaRPr lang="es-AR"/>
           </a:p>
@@ -461,7 +461,7 @@
           <a:p>
             <a:fld id="{02A71330-D7F7-4A1E-AD07-9D3AC92BA55D}" type="datetimeFigureOut">
               <a:rPr lang="es-AR" smtClean="0"/>
-              <a:t>9/6/2023</a:t>
+              <a:t>12/6/2023</a:t>
             </a:fld>
             <a:endParaRPr lang="es-AR"/>
           </a:p>
@@ -671,7 +671,7 @@
           <a:p>
             <a:fld id="{02A71330-D7F7-4A1E-AD07-9D3AC92BA55D}" type="datetimeFigureOut">
               <a:rPr lang="es-AR" smtClean="0"/>
-              <a:t>9/6/2023</a:t>
+              <a:t>12/6/2023</a:t>
             </a:fld>
             <a:endParaRPr lang="es-AR"/>
           </a:p>
@@ -871,7 +871,7 @@
           <a:p>
             <a:fld id="{02A71330-D7F7-4A1E-AD07-9D3AC92BA55D}" type="datetimeFigureOut">
               <a:rPr lang="es-AR" smtClean="0"/>
-              <a:t>9/6/2023</a:t>
+              <a:t>12/6/2023</a:t>
             </a:fld>
             <a:endParaRPr lang="es-AR"/>
           </a:p>
@@ -1147,7 +1147,7 @@
           <a:p>
             <a:fld id="{02A71330-D7F7-4A1E-AD07-9D3AC92BA55D}" type="datetimeFigureOut">
               <a:rPr lang="es-AR" smtClean="0"/>
-              <a:t>9/6/2023</a:t>
+              <a:t>12/6/2023</a:t>
             </a:fld>
             <a:endParaRPr lang="es-AR"/>
           </a:p>
@@ -1415,7 +1415,7 @@
           <a:p>
             <a:fld id="{02A71330-D7F7-4A1E-AD07-9D3AC92BA55D}" type="datetimeFigureOut">
               <a:rPr lang="es-AR" smtClean="0"/>
-              <a:t>9/6/2023</a:t>
+              <a:t>12/6/2023</a:t>
             </a:fld>
             <a:endParaRPr lang="es-AR"/>
           </a:p>
@@ -1830,7 +1830,7 @@
           <a:p>
             <a:fld id="{02A71330-D7F7-4A1E-AD07-9D3AC92BA55D}" type="datetimeFigureOut">
               <a:rPr lang="es-AR" smtClean="0"/>
-              <a:t>9/6/2023</a:t>
+              <a:t>12/6/2023</a:t>
             </a:fld>
             <a:endParaRPr lang="es-AR"/>
           </a:p>
@@ -1972,7 +1972,7 @@
           <a:p>
             <a:fld id="{02A71330-D7F7-4A1E-AD07-9D3AC92BA55D}" type="datetimeFigureOut">
               <a:rPr lang="es-AR" smtClean="0"/>
-              <a:t>9/6/2023</a:t>
+              <a:t>12/6/2023</a:t>
             </a:fld>
             <a:endParaRPr lang="es-AR"/>
           </a:p>
@@ -2085,7 +2085,7 @@
           <a:p>
             <a:fld id="{02A71330-D7F7-4A1E-AD07-9D3AC92BA55D}" type="datetimeFigureOut">
               <a:rPr lang="es-AR" smtClean="0"/>
-              <a:t>9/6/2023</a:t>
+              <a:t>12/6/2023</a:t>
             </a:fld>
             <a:endParaRPr lang="es-AR"/>
           </a:p>
@@ -2398,7 +2398,7 @@
           <a:p>
             <a:fld id="{02A71330-D7F7-4A1E-AD07-9D3AC92BA55D}" type="datetimeFigureOut">
               <a:rPr lang="es-AR" smtClean="0"/>
-              <a:t>9/6/2023</a:t>
+              <a:t>12/6/2023</a:t>
             </a:fld>
             <a:endParaRPr lang="es-AR"/>
           </a:p>
@@ -2687,7 +2687,7 @@
           <a:p>
             <a:fld id="{02A71330-D7F7-4A1E-AD07-9D3AC92BA55D}" type="datetimeFigureOut">
               <a:rPr lang="es-AR" smtClean="0"/>
-              <a:t>9/6/2023</a:t>
+              <a:t>12/6/2023</a:t>
             </a:fld>
             <a:endParaRPr lang="es-AR"/>
           </a:p>
@@ -2930,7 +2930,7 @@
           <a:p>
             <a:fld id="{02A71330-D7F7-4A1E-AD07-9D3AC92BA55D}" type="datetimeFigureOut">
               <a:rPr lang="es-AR" smtClean="0"/>
-              <a:t>9/6/2023</a:t>
+              <a:t>12/6/2023</a:t>
             </a:fld>
             <a:endParaRPr lang="es-AR"/>
           </a:p>
@@ -5227,7 +5227,7 @@
         </p:nvSpPr>
         <p:spPr>
           <a:xfrm>
-            <a:off x="4077828" y="5352672"/>
+            <a:off x="252927" y="4998299"/>
             <a:ext cx="945688" cy="478269"/>
           </a:xfrm>
           <a:prstGeom prst="round2DiagRect">
@@ -5282,50 +5282,6 @@
           </a:p>
         </p:txBody>
       </p:sp>
-      <p:cxnSp>
-        <p:nvCxnSpPr>
-          <p:cNvPr id="41" name="Conector recto de flecha 40">
-            <a:extLst>
-              <a:ext uri="{FF2B5EF4-FFF2-40B4-BE49-F238E27FC236}">
-                <a16:creationId xmlns:a16="http://schemas.microsoft.com/office/drawing/2014/main" id="{02732549-FE04-4624-DD6C-E99611B48642}"/>
-              </a:ext>
-            </a:extLst>
-          </p:cNvPr>
-          <p:cNvCxnSpPr>
-            <a:cxnSpLocks/>
-          </p:cNvCxnSpPr>
-          <p:nvPr/>
-        </p:nvCxnSpPr>
-        <p:spPr>
-          <a:xfrm>
-            <a:off x="2806514" y="5620584"/>
-            <a:ext cx="1106294" cy="0"/>
-          </a:xfrm>
-          <a:prstGeom prst="straightConnector1">
-            <a:avLst/>
-          </a:prstGeom>
-          <a:ln>
-            <a:solidFill>
-              <a:schemeClr val="tx1"/>
-            </a:solidFill>
-            <a:tailEnd type="triangle"/>
-          </a:ln>
-        </p:spPr>
-        <p:style>
-          <a:lnRef idx="1">
-            <a:schemeClr val="accent1"/>
-          </a:lnRef>
-          <a:fillRef idx="0">
-            <a:schemeClr val="accent1"/>
-          </a:fillRef>
-          <a:effectRef idx="0">
-            <a:schemeClr val="accent1"/>
-          </a:effectRef>
-          <a:fontRef idx="minor">
-            <a:schemeClr val="tx1"/>
-          </a:fontRef>
-        </p:style>
-      </p:cxnSp>
       <p:sp>
         <p:nvSpPr>
           <p:cNvPr id="42" name="Rectángulo: esquinas redondeadas 41">
@@ -5446,18 +5402,17 @@
           </p:cNvPr>
           <p:cNvCxnSpPr>
             <a:cxnSpLocks/>
+            <a:endCxn id="42" idx="1"/>
           </p:cNvCxnSpPr>
           <p:nvPr/>
         </p:nvCxnSpPr>
         <p:spPr>
           <a:xfrm rot="16200000" flipH="1">
-            <a:off x="-653616" y="4415415"/>
-            <a:ext cx="3074651" cy="583088"/>
-          </a:xfrm>
-          <a:prstGeom prst="bentConnector3">
-            <a:avLst>
-              <a:gd name="adj1" fmla="val 99769"/>
-            </a:avLst>
+            <a:off x="-742551" y="4151413"/>
+            <a:ext cx="3002048" cy="1079298"/>
+          </a:xfrm>
+          <a:prstGeom prst="bentConnector2">
+            <a:avLst/>
           </a:prstGeom>
           <a:ln>
             <a:solidFill>
@@ -6448,6 +6403,97 @@
             <a:ext cx="451428" cy="239134"/>
           </a:xfrm>
           <a:prstGeom prst="straightConnector1">
+            <a:avLst/>
+          </a:prstGeom>
+          <a:ln>
+            <a:solidFill>
+              <a:schemeClr val="tx1"/>
+            </a:solidFill>
+            <a:tailEnd type="triangle"/>
+          </a:ln>
+        </p:spPr>
+        <p:style>
+          <a:lnRef idx="1">
+            <a:schemeClr val="accent1"/>
+          </a:lnRef>
+          <a:fillRef idx="0">
+            <a:schemeClr val="accent1"/>
+          </a:fillRef>
+          <a:effectRef idx="0">
+            <a:schemeClr val="accent1"/>
+          </a:effectRef>
+          <a:fontRef idx="minor">
+            <a:schemeClr val="tx1"/>
+          </a:fontRef>
+        </p:style>
+      </p:cxnSp>
+      <p:cxnSp>
+        <p:nvCxnSpPr>
+          <p:cNvPr id="3" name="Conector: angular 2">
+            <a:extLst>
+              <a:ext uri="{FF2B5EF4-FFF2-40B4-BE49-F238E27FC236}">
+                <a16:creationId xmlns:a16="http://schemas.microsoft.com/office/drawing/2014/main" id="{53129857-38FA-A6B1-96DB-3B3FF7E129E5}"/>
+              </a:ext>
+            </a:extLst>
+          </p:cNvPr>
+          <p:cNvCxnSpPr>
+            <a:cxnSpLocks/>
+            <a:stCxn id="32" idx="1"/>
+          </p:cNvCxnSpPr>
+          <p:nvPr/>
+        </p:nvCxnSpPr>
+        <p:spPr>
+          <a:xfrm rot="5400000">
+            <a:off x="2885369" y="4920902"/>
+            <a:ext cx="994571" cy="1217666"/>
+          </a:xfrm>
+          <a:prstGeom prst="bentConnector2">
+            <a:avLst/>
+          </a:prstGeom>
+          <a:ln>
+            <a:solidFill>
+              <a:schemeClr val="tx1"/>
+            </a:solidFill>
+            <a:tailEnd type="triangle"/>
+          </a:ln>
+        </p:spPr>
+        <p:style>
+          <a:lnRef idx="1">
+            <a:schemeClr val="accent1"/>
+          </a:lnRef>
+          <a:fillRef idx="0">
+            <a:schemeClr val="accent1"/>
+          </a:fillRef>
+          <a:effectRef idx="0">
+            <a:schemeClr val="accent1"/>
+          </a:effectRef>
+          <a:fontRef idx="minor">
+            <a:schemeClr val="tx1"/>
+          </a:fontRef>
+        </p:style>
+      </p:cxnSp>
+      <p:cxnSp>
+        <p:nvCxnSpPr>
+          <p:cNvPr id="52" name="Conector: angular 51">
+            <a:extLst>
+              <a:ext uri="{FF2B5EF4-FFF2-40B4-BE49-F238E27FC236}">
+                <a16:creationId xmlns:a16="http://schemas.microsoft.com/office/drawing/2014/main" id="{89F6CD8B-61EF-F41D-D805-399F465430C3}"/>
+              </a:ext>
+            </a:extLst>
+          </p:cNvPr>
+          <p:cNvCxnSpPr>
+            <a:cxnSpLocks/>
+            <a:stCxn id="40" idx="1"/>
+            <a:endCxn id="27" idx="1"/>
+          </p:cNvCxnSpPr>
+          <p:nvPr/>
+        </p:nvCxnSpPr>
+        <p:spPr>
+          <a:xfrm rot="16200000" flipH="1">
+            <a:off x="995839" y="5206500"/>
+            <a:ext cx="37647" cy="577782"/>
+          </a:xfrm>
+          <a:prstGeom prst="bentConnector2">
             <a:avLst/>
           </a:prstGeom>
           <a:ln>
